--- a/docs/diagrams/TagSequenceDiagram.pptx
+++ b/docs/diagrams/TagSequenceDiagram.pptx
@@ -112,6 +112,10 @@
 </p:presentation>
 </file>
 
+<file path=ppt/revisionInfo.xml><?xml version="1.0" encoding="utf-8"?>
+<p1510:revInfo xmlns:a="http://schemas.openxmlformats.org/drawingml/2006/main" xmlns:r="http://schemas.openxmlformats.org/officeDocument/2006/relationships" xmlns:p1510="http://schemas.microsoft.com/office/powerpoint/2015/10/main"/>
+</file>
+
 <file path=ppt/slideLayouts/slideLayout1.xml><?xml version="1.0" encoding="utf-8"?>
 <p:sldLayout xmlns:a="http://schemas.openxmlformats.org/drawingml/2006/main" xmlns:r="http://schemas.openxmlformats.org/officeDocument/2006/relationships" xmlns:p="http://schemas.openxmlformats.org/presentationml/2006/main" type="title" preserve="1">
   <p:cSld name="Title Slide">
@@ -259,7 +263,7 @@
           <a:p>
             <a:fld id="{EDA0B0CA-96B7-4317-8230-3322BC274FA1}" type="datetimeFigureOut">
               <a:rPr lang="en-US" smtClean="0"/>
-              <a:t>10/30/2017</a:t>
+              <a:t>11/12/2017</a:t>
             </a:fld>
             <a:endParaRPr lang="en-US"/>
           </a:p>
@@ -457,7 +461,7 @@
           <a:p>
             <a:fld id="{EDA0B0CA-96B7-4317-8230-3322BC274FA1}" type="datetimeFigureOut">
               <a:rPr lang="en-US" smtClean="0"/>
-              <a:t>10/30/2017</a:t>
+              <a:t>11/12/2017</a:t>
             </a:fld>
             <a:endParaRPr lang="en-US"/>
           </a:p>
@@ -665,7 +669,7 @@
           <a:p>
             <a:fld id="{EDA0B0CA-96B7-4317-8230-3322BC274FA1}" type="datetimeFigureOut">
               <a:rPr lang="en-US" smtClean="0"/>
-              <a:t>10/30/2017</a:t>
+              <a:t>11/12/2017</a:t>
             </a:fld>
             <a:endParaRPr lang="en-US"/>
           </a:p>
@@ -863,7 +867,7 @@
           <a:p>
             <a:fld id="{EDA0B0CA-96B7-4317-8230-3322BC274FA1}" type="datetimeFigureOut">
               <a:rPr lang="en-US" smtClean="0"/>
-              <a:t>10/30/2017</a:t>
+              <a:t>11/12/2017</a:t>
             </a:fld>
             <a:endParaRPr lang="en-US"/>
           </a:p>
@@ -1138,7 +1142,7 @@
           <a:p>
             <a:fld id="{EDA0B0CA-96B7-4317-8230-3322BC274FA1}" type="datetimeFigureOut">
               <a:rPr lang="en-US" smtClean="0"/>
-              <a:t>10/30/2017</a:t>
+              <a:t>11/12/2017</a:t>
             </a:fld>
             <a:endParaRPr lang="en-US"/>
           </a:p>
@@ -1403,7 +1407,7 @@
           <a:p>
             <a:fld id="{EDA0B0CA-96B7-4317-8230-3322BC274FA1}" type="datetimeFigureOut">
               <a:rPr lang="en-US" smtClean="0"/>
-              <a:t>10/30/2017</a:t>
+              <a:t>11/12/2017</a:t>
             </a:fld>
             <a:endParaRPr lang="en-US"/>
           </a:p>
@@ -1815,7 +1819,7 @@
           <a:p>
             <a:fld id="{EDA0B0CA-96B7-4317-8230-3322BC274FA1}" type="datetimeFigureOut">
               <a:rPr lang="en-US" smtClean="0"/>
-              <a:t>10/30/2017</a:t>
+              <a:t>11/12/2017</a:t>
             </a:fld>
             <a:endParaRPr lang="en-US"/>
           </a:p>
@@ -1956,7 +1960,7 @@
           <a:p>
             <a:fld id="{EDA0B0CA-96B7-4317-8230-3322BC274FA1}" type="datetimeFigureOut">
               <a:rPr lang="en-US" smtClean="0"/>
-              <a:t>10/30/2017</a:t>
+              <a:t>11/12/2017</a:t>
             </a:fld>
             <a:endParaRPr lang="en-US"/>
           </a:p>
@@ -2069,7 +2073,7 @@
           <a:p>
             <a:fld id="{EDA0B0CA-96B7-4317-8230-3322BC274FA1}" type="datetimeFigureOut">
               <a:rPr lang="en-US" smtClean="0"/>
-              <a:t>10/30/2017</a:t>
+              <a:t>11/12/2017</a:t>
             </a:fld>
             <a:endParaRPr lang="en-US"/>
           </a:p>
@@ -2380,7 +2384,7 @@
           <a:p>
             <a:fld id="{EDA0B0CA-96B7-4317-8230-3322BC274FA1}" type="datetimeFigureOut">
               <a:rPr lang="en-US" smtClean="0"/>
-              <a:t>10/30/2017</a:t>
+              <a:t>11/12/2017</a:t>
             </a:fld>
             <a:endParaRPr lang="en-US"/>
           </a:p>
@@ -2668,7 +2672,7 @@
           <a:p>
             <a:fld id="{EDA0B0CA-96B7-4317-8230-3322BC274FA1}" type="datetimeFigureOut">
               <a:rPr lang="en-US" smtClean="0"/>
-              <a:t>10/30/2017</a:t>
+              <a:t>11/12/2017</a:t>
             </a:fld>
             <a:endParaRPr lang="en-US"/>
           </a:p>
@@ -2909,7 +2913,7 @@
           <a:p>
             <a:fld id="{EDA0B0CA-96B7-4317-8230-3322BC274FA1}" type="datetimeFigureOut">
               <a:rPr lang="en-US" smtClean="0"/>
-              <a:t>10/30/2017</a:t>
+              <a:t>11/12/2017</a:t>
             </a:fld>
             <a:endParaRPr lang="en-US"/>
           </a:p>
@@ -3340,8 +3344,8 @@
         </p:nvSpPr>
         <p:spPr>
           <a:xfrm>
-            <a:off x="357809" y="204821"/>
-            <a:ext cx="11476382" cy="6493268"/>
+            <a:off x="592267" y="204821"/>
+            <a:ext cx="9558189" cy="6493268"/>
           </a:xfrm>
           <a:prstGeom prst="roundRect">
             <a:avLst>
@@ -3397,8 +3401,8 @@
         </p:nvSpPr>
         <p:spPr>
           <a:xfrm>
-            <a:off x="1338880" y="630095"/>
-            <a:ext cx="1279632" cy="317336"/>
+            <a:off x="1498939" y="579569"/>
+            <a:ext cx="1416196" cy="367862"/>
           </a:xfrm>
           <a:prstGeom prst="rect">
             <a:avLst/>
@@ -3429,14 +3433,14 @@
           <a:p>
             <a:pPr algn="ctr"/>
             <a:r>
-              <a:rPr lang="en-US" dirty="0"/>
+              <a:rPr lang="en-US" sz="2000" dirty="0"/>
               <a:t>:</a:t>
             </a:r>
             <a:r>
-              <a:rPr lang="en-US" sz="1400" dirty="0" err="1"/>
+              <a:rPr lang="en-US" sz="1600" dirty="0" err="1"/>
               <a:t>LogicManager</a:t>
             </a:r>
-            <a:endParaRPr lang="en-US" sz="1400" dirty="0"/>
+            <a:endParaRPr lang="en-US" sz="1600" dirty="0"/>
           </a:p>
         </p:txBody>
       </p:sp>
@@ -3454,7 +3458,7 @@
         </p:nvSpPr>
         <p:spPr>
           <a:xfrm>
-            <a:off x="6499441" y="1928959"/>
+            <a:off x="6733899" y="1928959"/>
             <a:ext cx="1409351" cy="479426"/>
           </a:xfrm>
           <a:prstGeom prst="rect">
@@ -3486,14 +3490,14 @@
           <a:p>
             <a:pPr algn="ctr"/>
             <a:r>
-              <a:rPr lang="en-US" sz="1400" dirty="0"/>
+              <a:rPr lang="en-US" sz="1600" dirty="0"/>
               <a:t>t:Tag</a:t>
             </a:r>
           </a:p>
           <a:p>
             <a:pPr algn="ctr"/>
             <a:r>
-              <a:rPr lang="en-US" sz="1400" dirty="0"/>
+              <a:rPr lang="en-US" sz="1600" dirty="0"/>
               <a:t>Command</a:t>
             </a:r>
           </a:p>
@@ -3513,8 +3517,8 @@
         </p:nvSpPr>
         <p:spPr>
           <a:xfrm>
-            <a:off x="3642157" y="480722"/>
-            <a:ext cx="1028320" cy="514146"/>
+            <a:off x="3722842" y="480722"/>
+            <a:ext cx="1294537" cy="514146"/>
           </a:xfrm>
           <a:prstGeom prst="rect">
             <a:avLst/>
@@ -3545,17 +3549,17 @@
           <a:p>
             <a:pPr algn="ctr"/>
             <a:r>
-              <a:rPr lang="en-US" sz="1400" dirty="0"/>
+              <a:rPr lang="en-US" sz="1600" dirty="0"/>
               <a:t>:Address</a:t>
             </a:r>
           </a:p>
           <a:p>
             <a:pPr algn="ctr"/>
             <a:r>
-              <a:rPr lang="en-US" sz="1400" dirty="0" err="1"/>
+              <a:rPr lang="en-US" sz="1600" dirty="0" err="1"/>
               <a:t>BookParser</a:t>
             </a:r>
-            <a:endParaRPr lang="en-US" sz="1400" dirty="0"/>
+            <a:endParaRPr lang="en-US" sz="1600" dirty="0"/>
           </a:p>
         </p:txBody>
       </p:sp>
@@ -3573,8 +3577,8 @@
         </p:nvSpPr>
         <p:spPr>
           <a:xfrm>
-            <a:off x="10027456" y="5517371"/>
-            <a:ext cx="1506996" cy="480952"/>
+            <a:off x="9097099" y="5352644"/>
+            <a:ext cx="1897197" cy="645679"/>
           </a:xfrm>
           <a:prstGeom prst="rect">
             <a:avLst/>
@@ -3605,15 +3609,15 @@
           <a:p>
             <a:pPr algn="ctr"/>
             <a:r>
-              <a:rPr lang="en-US" sz="1400" dirty="0" err="1"/>
+              <a:rPr lang="en-US" sz="1600" dirty="0" err="1"/>
               <a:t>result:Command</a:t>
             </a:r>
-            <a:endParaRPr lang="en-US" sz="1400" dirty="0"/>
+            <a:endParaRPr lang="en-US" sz="1600" dirty="0"/>
           </a:p>
           <a:p>
             <a:pPr algn="ctr"/>
             <a:r>
-              <a:rPr lang="en-US" sz="1400" dirty="0"/>
+              <a:rPr lang="en-US" sz="1600" dirty="0"/>
               <a:t>Result</a:t>
             </a:r>
           </a:p>
@@ -3633,8 +3637,8 @@
         </p:nvSpPr>
         <p:spPr>
           <a:xfrm>
-            <a:off x="4782922" y="1191524"/>
-            <a:ext cx="1386126" cy="494200"/>
+            <a:off x="4915208" y="1105942"/>
+            <a:ext cx="1554312" cy="618857"/>
           </a:xfrm>
           <a:prstGeom prst="rect">
             <a:avLst/>
@@ -3665,18 +3669,18 @@
           <a:p>
             <a:pPr algn="ctr"/>
             <a:r>
-              <a:rPr lang="en-US" sz="1400" dirty="0" err="1"/>
+              <a:rPr lang="en-US" sz="1600" dirty="0" err="1"/>
               <a:t>parser:Tag</a:t>
             </a:r>
-            <a:endParaRPr lang="en-US" sz="1400" dirty="0"/>
+            <a:endParaRPr lang="en-US" sz="1600" dirty="0"/>
           </a:p>
           <a:p>
             <a:pPr algn="ctr"/>
             <a:r>
-              <a:rPr lang="en-US" sz="1400" dirty="0" err="1"/>
+              <a:rPr lang="en-US" sz="1600" dirty="0" err="1"/>
               <a:t>CommandParser</a:t>
             </a:r>
-            <a:endParaRPr lang="en-US" sz="1400" dirty="0"/>
+            <a:endParaRPr lang="en-US" sz="1600" dirty="0"/>
           </a:p>
         </p:txBody>
       </p:sp>
@@ -3694,7 +3698,7 @@
         </p:nvSpPr>
         <p:spPr>
           <a:xfrm>
-            <a:off x="1916699" y="1389159"/>
+            <a:off x="2151157" y="1389159"/>
             <a:ext cx="151016" cy="5003690"/>
           </a:xfrm>
           <a:prstGeom prst="rect">
@@ -3743,7 +3747,7 @@
         </p:nvSpPr>
         <p:spPr>
           <a:xfrm>
-            <a:off x="4077189" y="1445162"/>
+            <a:off x="4311647" y="1445162"/>
             <a:ext cx="134367" cy="1864411"/>
           </a:xfrm>
           <a:prstGeom prst="rect">
@@ -3792,7 +3796,7 @@
         </p:nvSpPr>
         <p:spPr>
           <a:xfrm>
-            <a:off x="5368205" y="2244126"/>
+            <a:off x="5602663" y="2244126"/>
             <a:ext cx="154148" cy="704229"/>
           </a:xfrm>
           <a:prstGeom prst="rect">
@@ -3843,9 +3847,9 @@
           <p:nvPr/>
         </p:nvCxnSpPr>
         <p:spPr>
-          <a:xfrm flipV="1">
-            <a:off x="1978696" y="947431"/>
-            <a:ext cx="0" cy="450025"/>
+          <a:xfrm flipH="1" flipV="1">
+            <a:off x="2207037" y="947431"/>
+            <a:ext cx="6118" cy="450026"/>
           </a:xfrm>
           <a:prstGeom prst="line">
             <a:avLst/>
@@ -3854,7 +3858,7 @@
             <a:solidFill>
               <a:schemeClr val="accent1"/>
             </a:solidFill>
-            <a:prstDash val="dash"/>
+            <a:prstDash val="sysDash"/>
             <a:round/>
             <a:headEnd type="none" w="med" len="med"/>
             <a:tailEnd type="none" w="med" len="med"/>
@@ -3891,7 +3895,7 @@
         </p:nvCxnSpPr>
         <p:spPr>
           <a:xfrm>
-            <a:off x="1978696" y="6342024"/>
+            <a:off x="2213154" y="6342024"/>
             <a:ext cx="0" cy="227450"/>
           </a:xfrm>
           <a:prstGeom prst="line">
@@ -3938,14 +3942,15 @@
         </p:nvCxnSpPr>
         <p:spPr>
           <a:xfrm>
-            <a:off x="2046505" y="1478707"/>
+            <a:off x="2280963" y="1478707"/>
             <a:ext cx="2030683" cy="0"/>
           </a:xfrm>
           <a:prstGeom prst="straightConnector1">
             <a:avLst/>
           </a:prstGeom>
           <a:ln w="25400">
-            <a:tailEnd type="triangle"/>
+            <a:headEnd type="none" w="med" len="med"/>
+            <a:tailEnd type="arrow" w="med" len="med"/>
           </a:ln>
         </p:spPr>
         <p:style>
@@ -3979,15 +3984,16 @@
         </p:nvCxnSpPr>
         <p:spPr>
           <a:xfrm flipH="1">
-            <a:off x="2046249" y="3284642"/>
+            <a:off x="2280707" y="3284642"/>
             <a:ext cx="2030682" cy="0"/>
           </a:xfrm>
           <a:prstGeom prst="straightConnector1">
             <a:avLst/>
           </a:prstGeom>
           <a:ln w="25400">
-            <a:prstDash val="dash"/>
-            <a:tailEnd type="triangle"/>
+            <a:prstDash val="sysDash"/>
+            <a:headEnd type="none" w="med" len="med"/>
+            <a:tailEnd type="arrow" w="med" len="med"/>
           </a:ln>
         </p:spPr>
         <p:style>
@@ -4019,7 +4025,7 @@
         </p:nvSpPr>
         <p:spPr>
           <a:xfrm>
-            <a:off x="7125059" y="2408258"/>
+            <a:off x="7359517" y="2408258"/>
             <a:ext cx="152077" cy="450774"/>
           </a:xfrm>
           <a:prstGeom prst="rect">
@@ -4070,14 +4076,15 @@
         </p:nvCxnSpPr>
         <p:spPr>
           <a:xfrm flipV="1">
-            <a:off x="4212809" y="1543536"/>
-            <a:ext cx="570113" cy="1"/>
+            <a:off x="4447267" y="1543537"/>
+            <a:ext cx="467941" cy="1"/>
           </a:xfrm>
           <a:prstGeom prst="straightConnector1">
             <a:avLst/>
           </a:prstGeom>
           <a:ln w="25400">
-            <a:tailEnd type="triangle"/>
+            <a:headEnd type="none" w="med" len="med"/>
+            <a:tailEnd type="arrow" w="med" len="med"/>
           </a:ln>
         </p:spPr>
         <p:style>
@@ -4109,7 +4116,7 @@
         </p:nvSpPr>
         <p:spPr>
           <a:xfrm>
-            <a:off x="5373164" y="1683928"/>
+            <a:off x="5607622" y="1683928"/>
             <a:ext cx="154150" cy="206910"/>
           </a:xfrm>
           <a:prstGeom prst="rect">
@@ -4158,8 +4165,8 @@
         </p:nvSpPr>
         <p:spPr>
           <a:xfrm>
-            <a:off x="2057627" y="1191524"/>
-            <a:ext cx="2106223" cy="276999"/>
+            <a:off x="2292085" y="1144634"/>
+            <a:ext cx="2106223" cy="307777"/>
           </a:xfrm>
           <a:prstGeom prst="rect">
             <a:avLst/>
@@ -4173,7 +4180,7 @@
           <a:lstStyle/>
           <a:p>
             <a:r>
-              <a:rPr lang="en-US" sz="1200" dirty="0" err="1">
+              <a:rPr lang="en-US" sz="1400" dirty="0" err="1">
                 <a:solidFill>
                   <a:schemeClr val="accent1"/>
                 </a:solidFill>
@@ -4181,7 +4188,7 @@
               <a:t>parseCommand</a:t>
             </a:r>
             <a:r>
-              <a:rPr lang="en-US" sz="1200" dirty="0">
+              <a:rPr lang="en-US" sz="1400" dirty="0">
                 <a:solidFill>
                   <a:schemeClr val="accent1"/>
                 </a:solidFill>
@@ -4205,8 +4212,8 @@
         </p:nvSpPr>
         <p:spPr>
           <a:xfrm>
-            <a:off x="2977401" y="2969893"/>
-            <a:ext cx="359125" cy="338554"/>
+            <a:off x="3211859" y="2969893"/>
+            <a:ext cx="359125" cy="369332"/>
           </a:xfrm>
           <a:prstGeom prst="rect">
             <a:avLst/>
@@ -4219,52 +4226,52 @@
           </a:bodyPr>
           <a:lstStyle/>
           <a:p>
+            <a:r>
+              <a:rPr lang="en-US" dirty="0">
+                <a:solidFill>
+                  <a:schemeClr val="accent1"/>
+                </a:solidFill>
+              </a:rPr>
+              <a:t>t</a:t>
+            </a:r>
+          </a:p>
+        </p:txBody>
+      </p:sp>
+      <p:sp>
+        <p:nvSpPr>
+          <p:cNvPr id="46" name="TextBox 45">
+            <a:extLst>
+              <a:ext uri="{FF2B5EF4-FFF2-40B4-BE49-F238E27FC236}">
+                <a16:creationId xmlns:a16="http://schemas.microsoft.com/office/drawing/2014/main" id="{8869C0D1-7AE2-4993-B8DC-FE504A0D46DB}"/>
+              </a:ext>
+            </a:extLst>
+          </p:cNvPr>
+          <p:cNvSpPr txBox="1"/>
+          <p:nvPr/>
+        </p:nvSpPr>
+        <p:spPr>
+          <a:xfrm>
+            <a:off x="4159389" y="3430622"/>
+            <a:ext cx="2166304" cy="338554"/>
+          </a:xfrm>
+          <a:prstGeom prst="rect">
+            <a:avLst/>
+          </a:prstGeom>
+          <a:noFill/>
+        </p:spPr>
+        <p:txBody>
+          <a:bodyPr wrap="square" rtlCol="0">
+            <a:spAutoFit/>
+          </a:bodyPr>
+          <a:lstStyle/>
+          <a:p>
+            <a:pPr algn="ctr"/>
             <a:r>
               <a:rPr lang="en-US" sz="1600" dirty="0">
                 <a:solidFill>
                   <a:schemeClr val="accent1"/>
                 </a:solidFill>
               </a:rPr>
-              <a:t>t</a:t>
-            </a:r>
-          </a:p>
-        </p:txBody>
-      </p:sp>
-      <p:sp>
-        <p:nvSpPr>
-          <p:cNvPr id="46" name="TextBox 45">
-            <a:extLst>
-              <a:ext uri="{FF2B5EF4-FFF2-40B4-BE49-F238E27FC236}">
-                <a16:creationId xmlns:a16="http://schemas.microsoft.com/office/drawing/2014/main" id="{8869C0D1-7AE2-4993-B8DC-FE504A0D46DB}"/>
-              </a:ext>
-            </a:extLst>
-          </p:cNvPr>
-          <p:cNvSpPr txBox="1"/>
-          <p:nvPr/>
-        </p:nvSpPr>
-        <p:spPr>
-          <a:xfrm>
-            <a:off x="3924931" y="3430622"/>
-            <a:ext cx="2166304" cy="307777"/>
-          </a:xfrm>
-          <a:prstGeom prst="rect">
-            <a:avLst/>
-          </a:prstGeom>
-          <a:noFill/>
-        </p:spPr>
-        <p:txBody>
-          <a:bodyPr wrap="square" rtlCol="0">
-            <a:spAutoFit/>
-          </a:bodyPr>
-          <a:lstStyle/>
-          <a:p>
-            <a:pPr algn="ctr"/>
-            <a:r>
-              <a:rPr lang="en-US" sz="1400" dirty="0">
-                <a:solidFill>
-                  <a:schemeClr val="accent1"/>
-                </a:solidFill>
-              </a:rPr>
               <a:t>execute()</a:t>
             </a:r>
           </a:p>
@@ -4286,15 +4293,16 @@
         </p:nvCxnSpPr>
         <p:spPr>
           <a:xfrm flipH="1">
-            <a:off x="4208327" y="1857375"/>
+            <a:off x="4442785" y="1857375"/>
             <a:ext cx="1142731" cy="0"/>
           </a:xfrm>
           <a:prstGeom prst="straightConnector1">
             <a:avLst/>
           </a:prstGeom>
           <a:ln w="25400">
-            <a:prstDash val="dash"/>
-            <a:tailEnd type="triangle"/>
+            <a:prstDash val="sysDash"/>
+            <a:headEnd type="none" w="med" len="med"/>
+            <a:tailEnd type="arrow" w="med" len="med"/>
           </a:ln>
         </p:spPr>
         <p:style>
@@ -4328,14 +4336,15 @@
         </p:nvCxnSpPr>
         <p:spPr>
           <a:xfrm>
-            <a:off x="4208327" y="2275273"/>
+            <a:off x="4442785" y="2275273"/>
             <a:ext cx="1154458" cy="0"/>
           </a:xfrm>
           <a:prstGeom prst="straightConnector1">
             <a:avLst/>
           </a:prstGeom>
           <a:ln w="25400">
-            <a:tailEnd type="triangle"/>
+            <a:headEnd type="none" w="med" len="med"/>
+            <a:tailEnd type="arrow" w="med" len="med"/>
           </a:ln>
         </p:spPr>
         <p:style>
@@ -4369,15 +4378,16 @@
         </p:nvCxnSpPr>
         <p:spPr>
           <a:xfrm flipH="1">
-            <a:off x="5522355" y="2840681"/>
+            <a:off x="5756813" y="2840681"/>
             <a:ext cx="1602704" cy="0"/>
           </a:xfrm>
           <a:prstGeom prst="straightConnector1">
             <a:avLst/>
           </a:prstGeom>
           <a:ln w="25400">
-            <a:prstDash val="dash"/>
-            <a:tailEnd type="triangle"/>
+            <a:prstDash val="sysDash"/>
+            <a:headEnd type="none" w="med" len="med"/>
+            <a:tailEnd type="arrow" w="med" len="med"/>
           </a:ln>
         </p:spPr>
         <p:style>
@@ -4411,15 +4421,16 @@
         </p:nvCxnSpPr>
         <p:spPr>
           <a:xfrm flipH="1">
-            <a:off x="4219507" y="2931730"/>
+            <a:off x="4453965" y="2931730"/>
             <a:ext cx="1142732" cy="0"/>
           </a:xfrm>
           <a:prstGeom prst="straightConnector1">
             <a:avLst/>
           </a:prstGeom>
           <a:ln w="25400">
-            <a:prstDash val="dash"/>
-            <a:tailEnd type="triangle"/>
+            <a:prstDash val="sysDash"/>
+            <a:headEnd type="none" w="med" len="med"/>
+            <a:tailEnd type="arrow" w="med" len="med"/>
           </a:ln>
         </p:spPr>
         <p:style>
@@ -4453,15 +4464,16 @@
         </p:nvCxnSpPr>
         <p:spPr>
           <a:xfrm flipH="1" flipV="1">
-            <a:off x="2046252" y="6270465"/>
+            <a:off x="2280710" y="6270465"/>
             <a:ext cx="5078807" cy="7966"/>
           </a:xfrm>
           <a:prstGeom prst="straightConnector1">
             <a:avLst/>
           </a:prstGeom>
           <a:ln w="25400">
-            <a:prstDash val="dash"/>
-            <a:tailEnd type="triangle"/>
+            <a:prstDash val="sysDash"/>
+            <a:headEnd type="none" w="med" len="med"/>
+            <a:tailEnd type="arrow" w="med" len="med"/>
           </a:ln>
         </p:spPr>
         <p:style>
@@ -4493,8 +4505,8 @@
         </p:nvSpPr>
         <p:spPr>
           <a:xfrm>
-            <a:off x="3696540" y="5963861"/>
-            <a:ext cx="2166304" cy="307777"/>
+            <a:off x="3930998" y="5963861"/>
+            <a:ext cx="2166304" cy="338554"/>
           </a:xfrm>
           <a:prstGeom prst="rect">
             <a:avLst/>
@@ -4509,7 +4521,7 @@
           <a:p>
             <a:pPr algn="ctr"/>
             <a:r>
-              <a:rPr lang="en-US" sz="1400" dirty="0">
+              <a:rPr lang="en-US" sz="1600" dirty="0">
                 <a:solidFill>
                   <a:schemeClr val="accent1"/>
                 </a:solidFill>
@@ -4533,8 +4545,8 @@
         </p:nvSpPr>
         <p:spPr>
           <a:xfrm>
-            <a:off x="4401545" y="1981715"/>
-            <a:ext cx="842342" cy="307777"/>
+            <a:off x="4636003" y="1981715"/>
+            <a:ext cx="842342" cy="338554"/>
           </a:xfrm>
           <a:prstGeom prst="rect">
             <a:avLst/>
@@ -4549,7 +4561,7 @@
           <a:p>
             <a:pPr algn="ctr"/>
             <a:r>
-              <a:rPr lang="en-US" sz="1400" dirty="0">
+              <a:rPr lang="en-US" sz="1600" dirty="0">
                 <a:solidFill>
                   <a:schemeClr val="accent1"/>
                 </a:solidFill>
@@ -4575,15 +4587,16 @@
         </p:nvCxnSpPr>
         <p:spPr>
           <a:xfrm flipH="1">
-            <a:off x="85969" y="6374974"/>
-            <a:ext cx="1824915" cy="0"/>
+            <a:off x="203200" y="6374974"/>
+            <a:ext cx="1942143" cy="0"/>
           </a:xfrm>
           <a:prstGeom prst="straightConnector1">
             <a:avLst/>
           </a:prstGeom>
           <a:ln w="25400">
-            <a:prstDash val="dash"/>
-            <a:tailEnd type="triangle"/>
+            <a:prstDash val="sysDash"/>
+            <a:headEnd type="none" w="med" len="med"/>
+            <a:tailEnd type="arrow" w="med" len="med"/>
           </a:ln>
         </p:spPr>
         <p:style>
@@ -4615,8 +4628,8 @@
         </p:nvSpPr>
         <p:spPr>
           <a:xfrm>
-            <a:off x="524076" y="6075178"/>
-            <a:ext cx="740405" cy="307777"/>
+            <a:off x="993000" y="6075178"/>
+            <a:ext cx="740405" cy="338554"/>
           </a:xfrm>
           <a:prstGeom prst="rect">
             <a:avLst/>
@@ -4631,7 +4644,7 @@
           <a:p>
             <a:pPr algn="ctr"/>
             <a:r>
-              <a:rPr lang="en-US" sz="1400" dirty="0">
+              <a:rPr lang="en-US" sz="1600" dirty="0">
                 <a:solidFill>
                   <a:schemeClr val="accent1"/>
                 </a:solidFill>
@@ -4657,14 +4670,18 @@
         </p:nvCxnSpPr>
         <p:spPr>
           <a:xfrm>
-            <a:off x="85969" y="1397456"/>
+            <a:off x="320427" y="1397456"/>
             <a:ext cx="1825855" cy="0"/>
           </a:xfrm>
           <a:prstGeom prst="straightConnector1">
             <a:avLst/>
           </a:prstGeom>
           <a:ln w="25400">
-            <a:tailEnd type="triangle"/>
+            <a:solidFill>
+              <a:srgbClr val="00B050"/>
+            </a:solidFill>
+            <a:headEnd type="none" w="med" len="med"/>
+            <a:tailEnd type="arrow" w="med" len="med"/>
           </a:ln>
         </p:spPr>
         <p:style>
@@ -4696,8 +4713,8 @@
         </p:nvSpPr>
         <p:spPr>
           <a:xfrm>
-            <a:off x="8308" y="1112777"/>
-            <a:ext cx="1955098" cy="276999"/>
+            <a:off x="39075" y="1081517"/>
+            <a:ext cx="2197864" cy="307777"/>
           </a:xfrm>
           <a:prstGeom prst="rect">
             <a:avLst/>
@@ -4711,7 +4728,7 @@
           <a:lstStyle/>
           <a:p>
             <a:r>
-              <a:rPr lang="en-US" sz="1200" dirty="0">
+              <a:rPr lang="en-US" sz="1400" dirty="0">
                 <a:solidFill>
                   <a:schemeClr val="accent1"/>
                 </a:solidFill>
@@ -4735,8 +4752,8 @@
         </p:nvSpPr>
         <p:spPr>
           <a:xfrm>
-            <a:off x="4680750" y="2617236"/>
-            <a:ext cx="359125" cy="338554"/>
+            <a:off x="4915208" y="2617236"/>
+            <a:ext cx="359125" cy="369332"/>
           </a:xfrm>
           <a:prstGeom prst="rect">
             <a:avLst/>
@@ -4750,7 +4767,7 @@
           <a:lstStyle/>
           <a:p>
             <a:r>
-              <a:rPr lang="en-US" sz="1600" dirty="0">
+              <a:rPr lang="en-US" dirty="0">
                 <a:solidFill>
                   <a:schemeClr val="accent1"/>
                 </a:solidFill>
@@ -4774,7 +4791,7 @@
         </p:nvSpPr>
         <p:spPr>
           <a:xfrm>
-            <a:off x="10734136" y="5976585"/>
+            <a:off x="9998020" y="5976585"/>
             <a:ext cx="154150" cy="206910"/>
           </a:xfrm>
           <a:prstGeom prst="rect">
@@ -4825,15 +4842,16 @@
         </p:nvCxnSpPr>
         <p:spPr>
           <a:xfrm flipH="1">
-            <a:off x="7287152" y="6163241"/>
-            <a:ext cx="3446984" cy="0"/>
+            <a:off x="7509879" y="6152235"/>
+            <a:ext cx="2488142" cy="0"/>
           </a:xfrm>
           <a:prstGeom prst="straightConnector1">
             <a:avLst/>
           </a:prstGeom>
           <a:ln w="25400">
-            <a:prstDash val="dash"/>
-            <a:tailEnd type="triangle"/>
+            <a:prstDash val="sysDash"/>
+            <a:headEnd type="none" w="med" len="med"/>
+            <a:tailEnd type="arrow" w="med" len="med"/>
           </a:ln>
         </p:spPr>
         <p:style>
@@ -4867,14 +4885,15 @@
         </p:nvCxnSpPr>
         <p:spPr>
           <a:xfrm>
-            <a:off x="7257674" y="5815332"/>
-            <a:ext cx="2764028" cy="0"/>
+            <a:off x="7509879" y="5815332"/>
+            <a:ext cx="1587220" cy="0"/>
           </a:xfrm>
           <a:prstGeom prst="straightConnector1">
             <a:avLst/>
           </a:prstGeom>
           <a:ln w="25400">
-            <a:tailEnd type="triangle"/>
+            <a:headEnd type="none" w="med" len="med"/>
+            <a:tailEnd type="arrow" w="med" len="med"/>
           </a:ln>
         </p:spPr>
         <p:style>
@@ -4908,14 +4927,15 @@
         </p:nvCxnSpPr>
         <p:spPr>
           <a:xfrm>
-            <a:off x="2046107" y="3719135"/>
+            <a:off x="2280565" y="3719135"/>
             <a:ext cx="5078811" cy="0"/>
           </a:xfrm>
           <a:prstGeom prst="straightConnector1">
             <a:avLst/>
           </a:prstGeom>
           <a:ln w="25400">
-            <a:tailEnd type="triangle"/>
+            <a:headEnd type="none" w="med" len="med"/>
+            <a:tailEnd type="arrow" w="med" len="med"/>
           </a:ln>
         </p:spPr>
         <p:style>
@@ -4949,7 +4969,7 @@
         </p:nvCxnSpPr>
         <p:spPr>
           <a:xfrm flipV="1">
-            <a:off x="4139124" y="985988"/>
+            <a:off x="4373582" y="985988"/>
             <a:ext cx="0" cy="484768"/>
           </a:xfrm>
           <a:prstGeom prst="line">
@@ -4959,7 +4979,7 @@
             <a:solidFill>
               <a:schemeClr val="accent1"/>
             </a:solidFill>
-            <a:prstDash val="dash"/>
+            <a:prstDash val="sysDash"/>
             <a:round/>
             <a:headEnd type="none" w="med" len="med"/>
             <a:tailEnd type="none" w="med" len="med"/>
@@ -4996,7 +5016,7 @@
         </p:nvCxnSpPr>
         <p:spPr>
           <a:xfrm flipV="1">
-            <a:off x="4139124" y="3249683"/>
+            <a:off x="4373582" y="3249683"/>
             <a:ext cx="0" cy="328457"/>
           </a:xfrm>
           <a:prstGeom prst="line">
@@ -5006,7 +5026,7 @@
             <a:solidFill>
               <a:schemeClr val="accent1"/>
             </a:solidFill>
-            <a:prstDash val="dash"/>
+            <a:prstDash val="sysDash"/>
             <a:round/>
             <a:headEnd type="none" w="med" len="med"/>
             <a:tailEnd type="none" w="med" len="med"/>
@@ -5043,7 +5063,7 @@
         </p:nvCxnSpPr>
         <p:spPr>
           <a:xfrm flipV="1">
-            <a:off x="5440778" y="2948356"/>
+            <a:off x="5675236" y="2948356"/>
             <a:ext cx="0" cy="391815"/>
           </a:xfrm>
           <a:prstGeom prst="line">
@@ -5053,7 +5073,7 @@
             <a:solidFill>
               <a:schemeClr val="accent1"/>
             </a:solidFill>
-            <a:prstDash val="dash"/>
+            <a:prstDash val="sysDash"/>
             <a:round/>
             <a:headEnd type="none" w="med" len="med"/>
             <a:tailEnd type="none" w="med" len="med"/>
@@ -5090,7 +5110,7 @@
         </p:nvCxnSpPr>
         <p:spPr>
           <a:xfrm flipH="1" flipV="1">
-            <a:off x="5440778" y="1838458"/>
+            <a:off x="5675236" y="1838458"/>
             <a:ext cx="196" cy="725672"/>
           </a:xfrm>
           <a:prstGeom prst="line">
@@ -5137,7 +5157,7 @@
         </p:nvCxnSpPr>
         <p:spPr>
           <a:xfrm flipV="1">
-            <a:off x="7191659" y="2861407"/>
+            <a:off x="7426117" y="2861407"/>
             <a:ext cx="0" cy="846214"/>
           </a:xfrm>
           <a:prstGeom prst="line">
@@ -5147,7 +5167,7 @@
             <a:solidFill>
               <a:schemeClr val="accent1"/>
             </a:solidFill>
-            <a:prstDash val="dash"/>
+            <a:prstDash val="sysDash"/>
             <a:round/>
             <a:headEnd type="none" w="med" len="med"/>
             <a:tailEnd type="none" w="med" len="med"/>
@@ -5184,54 +5204,7 @@
         </p:nvCxnSpPr>
         <p:spPr>
           <a:xfrm flipV="1">
-            <a:off x="7199838" y="6227878"/>
-            <a:ext cx="0" cy="362836"/>
-          </a:xfrm>
-          <a:prstGeom prst="line">
-            <a:avLst/>
-          </a:prstGeom>
-          <a:ln w="25400" cap="flat" cmpd="sng" algn="ctr">
-            <a:solidFill>
-              <a:schemeClr val="accent1"/>
-            </a:solidFill>
-            <a:prstDash val="dash"/>
-            <a:round/>
-            <a:headEnd type="none" w="med" len="med"/>
-            <a:tailEnd type="none" w="med" len="med"/>
-          </a:ln>
-        </p:spPr>
-        <p:style>
-          <a:lnRef idx="0">
-            <a:scrgbClr r="0" g="0" b="0"/>
-          </a:lnRef>
-          <a:fillRef idx="0">
-            <a:scrgbClr r="0" g="0" b="0"/>
-          </a:fillRef>
-          <a:effectRef idx="0">
-            <a:scrgbClr r="0" g="0" b="0"/>
-          </a:effectRef>
-          <a:fontRef idx="minor">
-            <a:schemeClr val="tx1"/>
-          </a:fontRef>
-        </p:style>
-      </p:cxnSp>
-      <p:cxnSp>
-        <p:nvCxnSpPr>
-          <p:cNvPr id="178" name="Straight Connector 177">
-            <a:extLst>
-              <a:ext uri="{FF2B5EF4-FFF2-40B4-BE49-F238E27FC236}">
-                <a16:creationId xmlns:a16="http://schemas.microsoft.com/office/drawing/2014/main" id="{AB722DD0-08C2-47A4-9846-A76E77BA9B11}"/>
-              </a:ext>
-            </a:extLst>
-          </p:cNvPr>
-          <p:cNvCxnSpPr>
-            <a:cxnSpLocks/>
-          </p:cNvCxnSpPr>
-          <p:nvPr/>
-        </p:nvCxnSpPr>
-        <p:spPr>
-          <a:xfrm flipV="1">
-            <a:off x="10819162" y="6069597"/>
+            <a:off x="7434296" y="6227878"/>
             <a:ext cx="0" cy="362836"/>
           </a:xfrm>
           <a:prstGeom prst="line">
@@ -5278,14 +5251,15 @@
         </p:nvCxnSpPr>
         <p:spPr>
           <a:xfrm>
-            <a:off x="5522353" y="2332886"/>
+            <a:off x="5756811" y="2332886"/>
             <a:ext cx="977088" cy="0"/>
           </a:xfrm>
           <a:prstGeom prst="straightConnector1">
             <a:avLst/>
           </a:prstGeom>
           <a:ln w="25400">
-            <a:tailEnd type="triangle"/>
+            <a:headEnd type="none" w="med" len="med"/>
+            <a:tailEnd type="arrow" w="med" len="med"/>
           </a:ln>
         </p:spPr>
         <p:style>
@@ -5317,8 +5291,8 @@
         </p:nvSpPr>
         <p:spPr>
           <a:xfrm>
-            <a:off x="6939608" y="3811212"/>
-            <a:ext cx="3259481" cy="1622668"/>
+            <a:off x="7174066" y="3811212"/>
+            <a:ext cx="4471813" cy="1351480"/>
           </a:xfrm>
           <a:prstGeom prst="rect">
             <a:avLst/>
@@ -5368,14 +5342,19 @@
         </p:nvSpPr>
         <p:spPr>
           <a:xfrm>
-            <a:off x="9457195" y="3349736"/>
-            <a:ext cx="721304" cy="289736"/>
+            <a:off x="10777343" y="1857375"/>
+            <a:ext cx="1088859" cy="389789"/>
           </a:xfrm>
           <a:prstGeom prst="rect">
             <a:avLst/>
           </a:prstGeom>
+          <a:solidFill>
+            <a:srgbClr val="CC99FF"/>
+          </a:solidFill>
           <a:ln>
-            <a:noFill/>
+            <a:solidFill>
+              <a:srgbClr val="CC99FF"/>
+            </a:solidFill>
           </a:ln>
         </p:spPr>
         <p:style>
@@ -5400,7 +5379,7 @@
           <a:p>
             <a:pPr algn="ctr"/>
             <a:r>
-              <a:rPr lang="en-US" sz="1400" dirty="0"/>
+              <a:rPr lang="en-US" dirty="0"/>
               <a:t>:Model</a:t>
             </a:r>
           </a:p>
@@ -5420,14 +5399,19 @@
         </p:nvSpPr>
         <p:spPr>
           <a:xfrm>
-            <a:off x="9753909" y="4385230"/>
-            <a:ext cx="162530" cy="783630"/>
+            <a:off x="11256454" y="4513821"/>
+            <a:ext cx="139369" cy="362460"/>
           </a:xfrm>
           <a:prstGeom prst="rect">
             <a:avLst/>
           </a:prstGeom>
+          <a:solidFill>
+            <a:srgbClr val="CC99FF"/>
+          </a:solidFill>
           <a:ln>
-            <a:noFill/>
+            <a:solidFill>
+              <a:srgbClr val="CC99FF"/>
+            </a:solidFill>
           </a:ln>
         </p:spPr>
         <p:style>
@@ -5469,8 +5453,8 @@
         </p:nvSpPr>
         <p:spPr>
           <a:xfrm>
-            <a:off x="7650885" y="4010385"/>
-            <a:ext cx="1782281" cy="415498"/>
+            <a:off x="7720541" y="4239671"/>
+            <a:ext cx="3437160" cy="307777"/>
           </a:xfrm>
           <a:prstGeom prst="rect">
             <a:avLst/>
@@ -5485,64 +5469,56 @@
           <a:p>
             <a:pPr algn="ctr"/>
             <a:r>
-              <a:rPr lang="en-US" sz="1050" dirty="0" err="1">
+              <a:rPr lang="en-US" sz="1400" dirty="0" err="1">
                 <a:solidFill>
-                  <a:schemeClr val="accent1"/>
+                  <a:srgbClr val="9900CC"/>
                 </a:solidFill>
               </a:rPr>
               <a:t>updatePerson</a:t>
             </a:r>
-            <a:endParaRPr lang="en-US" sz="1050" dirty="0">
-              <a:solidFill>
-                <a:schemeClr val="accent1"/>
-              </a:solidFill>
-            </a:endParaRPr>
-          </a:p>
-          <a:p>
-            <a:pPr algn="ctr"/>
-            <a:r>
-              <a:rPr lang="en-US" sz="1050" dirty="0">
+            <a:r>
+              <a:rPr lang="en-US" sz="1400" dirty="0">
                 <a:solidFill>
-                  <a:schemeClr val="accent1"/>
+                  <a:srgbClr val="9900CC"/>
                 </a:solidFill>
               </a:rPr>
               <a:t>(</a:t>
             </a:r>
             <a:r>
-              <a:rPr lang="en-US" sz="1050" dirty="0" err="1">
+              <a:rPr lang="en-US" sz="1400" dirty="0" err="1">
                 <a:solidFill>
-                  <a:schemeClr val="accent1"/>
+                  <a:srgbClr val="9900CC"/>
                 </a:solidFill>
               </a:rPr>
               <a:t>personToTag</a:t>
             </a:r>
             <a:r>
-              <a:rPr lang="en-US" sz="1050" dirty="0">
+              <a:rPr lang="en-US" sz="1400" dirty="0">
                 <a:solidFill>
-                  <a:schemeClr val="accent1"/>
+                  <a:srgbClr val="9900CC"/>
                 </a:solidFill>
               </a:rPr>
               <a:t>, </a:t>
             </a:r>
             <a:r>
-              <a:rPr lang="en-US" sz="1050" dirty="0" err="1">
+              <a:rPr lang="en-US" sz="1400" dirty="0" err="1">
                 <a:solidFill>
-                  <a:schemeClr val="accent1"/>
+                  <a:srgbClr val="9900CC"/>
                 </a:solidFill>
               </a:rPr>
               <a:t>taggedPerson</a:t>
             </a:r>
             <a:r>
-              <a:rPr lang="en-US" sz="1050" dirty="0">
+              <a:rPr lang="en-US" sz="1400" dirty="0">
                 <a:solidFill>
-                  <a:schemeClr val="accent1"/>
+                  <a:srgbClr val="9900CC"/>
                 </a:solidFill>
               </a:rPr>
               <a:t>)</a:t>
             </a:r>
-            <a:endParaRPr lang="en-US" sz="1400" dirty="0">
+            <a:endParaRPr lang="en-US" sz="2000" dirty="0">
               <a:solidFill>
-                <a:schemeClr val="accent1"/>
+                <a:srgbClr val="9900CC"/>
               </a:solidFill>
             </a:endParaRPr>
           </a:p>
@@ -5564,17 +5540,17 @@
         </p:nvCxnSpPr>
         <p:spPr>
           <a:xfrm flipV="1">
-            <a:off x="9829042" y="5168860"/>
-            <a:ext cx="0" cy="200306"/>
+            <a:off x="11321772" y="4825076"/>
+            <a:ext cx="0" cy="1268515"/>
           </a:xfrm>
           <a:prstGeom prst="line">
             <a:avLst/>
           </a:prstGeom>
           <a:ln w="25400" cap="flat" cmpd="sng" algn="ctr">
             <a:solidFill>
-              <a:schemeClr val="accent1"/>
+              <a:srgbClr val="CC99FF"/>
             </a:solidFill>
-            <a:prstDash val="dash"/>
+            <a:prstDash val="sysDash"/>
             <a:round/>
             <a:headEnd type="none" w="med" len="med"/>
             <a:tailEnd type="none" w="med" len="med"/>
@@ -5611,15 +5587,19 @@
         </p:nvCxnSpPr>
         <p:spPr>
           <a:xfrm flipH="1">
-            <a:off x="7275421" y="5137328"/>
-            <a:ext cx="2575386" cy="2776"/>
+            <a:off x="7509879" y="4863435"/>
+            <a:ext cx="3738186" cy="0"/>
           </a:xfrm>
           <a:prstGeom prst="straightConnector1">
             <a:avLst/>
           </a:prstGeom>
           <a:ln w="25400">
-            <a:prstDash val="dash"/>
-            <a:tailEnd type="triangle"/>
+            <a:solidFill>
+              <a:srgbClr val="CC99FF"/>
+            </a:solidFill>
+            <a:prstDash val="sysDash"/>
+            <a:headEnd type="none" w="med" len="med"/>
+            <a:tailEnd type="arrow" w="med" len="med"/>
           </a:ln>
         </p:spPr>
         <p:style>
@@ -5651,7 +5631,7 @@
         </p:nvSpPr>
         <p:spPr>
           <a:xfrm>
-            <a:off x="7130910" y="3715327"/>
+            <a:off x="7365368" y="3715327"/>
             <a:ext cx="144511" cy="2583837"/>
           </a:xfrm>
           <a:prstGeom prst="rect">
@@ -5702,14 +5682,15 @@
         </p:nvCxnSpPr>
         <p:spPr>
           <a:xfrm>
-            <a:off x="7257674" y="4421744"/>
-            <a:ext cx="2496235" cy="0"/>
+            <a:off x="7492132" y="4538972"/>
+            <a:ext cx="3755933" cy="0"/>
           </a:xfrm>
           <a:prstGeom prst="straightConnector1">
             <a:avLst/>
           </a:prstGeom>
           <a:ln w="25400">
-            <a:tailEnd type="triangle"/>
+            <a:headEnd type="none" w="med" len="med"/>
+            <a:tailEnd type="arrow" w="med" len="med"/>
           </a:ln>
         </p:spPr>
         <p:style>
@@ -5738,22 +5719,23 @@
           </p:cNvPr>
           <p:cNvCxnSpPr>
             <a:cxnSpLocks/>
+            <a:endCxn id="75" idx="2"/>
           </p:cNvCxnSpPr>
           <p:nvPr/>
         </p:nvCxnSpPr>
         <p:spPr>
           <a:xfrm flipV="1">
-            <a:off x="9830756" y="3579110"/>
-            <a:ext cx="0" cy="787539"/>
+            <a:off x="11321773" y="2247164"/>
+            <a:ext cx="0" cy="2291808"/>
           </a:xfrm>
           <a:prstGeom prst="line">
             <a:avLst/>
           </a:prstGeom>
           <a:ln w="25400" cap="flat" cmpd="sng" algn="ctr">
             <a:solidFill>
-              <a:schemeClr val="accent1"/>
+              <a:srgbClr val="CC99FF"/>
             </a:solidFill>
-            <a:prstDash val="dash"/>
+            <a:prstDash val="sysDash"/>
             <a:round/>
             <a:headEnd type="none" w="med" len="med"/>
             <a:tailEnd type="none" w="med" len="med"/>
@@ -5788,8 +5770,8 @@
         </p:nvSpPr>
         <p:spPr>
           <a:xfrm>
-            <a:off x="7191153" y="3783357"/>
-            <a:ext cx="1704935" cy="276999"/>
+            <a:off x="7425611" y="3783357"/>
+            <a:ext cx="1937220" cy="307777"/>
           </a:xfrm>
           <a:prstGeom prst="rect">
             <a:avLst/>
@@ -5804,7 +5786,7 @@
           <a:p>
             <a:pPr algn="ctr"/>
             <a:r>
-              <a:rPr lang="en-US" sz="1200" dirty="0">
+              <a:rPr lang="en-US" sz="1400" dirty="0">
                 <a:solidFill>
                   <a:schemeClr val="accent1"/>
                 </a:solidFill>
@@ -5812,7 +5794,7 @@
               <a:t>[index in </a:t>
             </a:r>
             <a:r>
-              <a:rPr lang="en-US" sz="1200" dirty="0" err="1">
+              <a:rPr lang="en-US" sz="1400" dirty="0" err="1">
                 <a:solidFill>
                   <a:schemeClr val="accent1"/>
                 </a:solidFill>
@@ -5820,7 +5802,7 @@
               <a:t>targetIndexes</a:t>
             </a:r>
             <a:r>
-              <a:rPr lang="en-US" sz="1200" dirty="0">
+              <a:rPr lang="en-US" sz="1400" dirty="0">
                 <a:solidFill>
                   <a:schemeClr val="accent1"/>
                 </a:solidFill>
@@ -5844,13 +5826,13 @@
         </p:nvCxnSpPr>
         <p:spPr>
           <a:xfrm>
-            <a:off x="5362239" y="3292329"/>
+            <a:off x="5596697" y="3292329"/>
             <a:ext cx="160114" cy="146108"/>
           </a:xfrm>
           <a:prstGeom prst="line">
             <a:avLst/>
           </a:prstGeom>
-          <a:ln w="19050">
+          <a:ln w="25400">
             <a:solidFill>
               <a:schemeClr val="accent1">
                 <a:lumMod val="50000"/>
@@ -5887,13 +5869,13 @@
         </p:nvCxnSpPr>
         <p:spPr>
           <a:xfrm flipH="1">
-            <a:off x="5357534" y="3273128"/>
+            <a:off x="5599807" y="3265313"/>
             <a:ext cx="149189" cy="180939"/>
           </a:xfrm>
           <a:prstGeom prst="line">
             <a:avLst/>
           </a:prstGeom>
-          <a:ln w="19050">
+          <a:ln w="25400">
             <a:solidFill>
               <a:schemeClr val="accent1">
                 <a:lumMod val="50000"/>
